--- a/Window.pptx
+++ b/Window.pptx
@@ -5,13 +5,16 @@
     <p:sldMasterId id="2147483648" r:id="rId1"/>
   </p:sldMasterIdLst>
   <p:notesMasterIdLst>
-    <p:notesMasterId r:id="rId6"/>
+    <p:notesMasterId r:id="rId9"/>
   </p:notesMasterIdLst>
   <p:sldIdLst>
     <p:sldId id="257" r:id="rId2"/>
-    <p:sldId id="256" r:id="rId3"/>
-    <p:sldId id="258" r:id="rId4"/>
-    <p:sldId id="259" r:id="rId5"/>
+    <p:sldId id="258" r:id="rId3"/>
+    <p:sldId id="259" r:id="rId4"/>
+    <p:sldId id="260" r:id="rId5"/>
+    <p:sldId id="262" r:id="rId6"/>
+    <p:sldId id="261" r:id="rId7"/>
+    <p:sldId id="263" r:id="rId8"/>
   </p:sldIdLst>
   <p:sldSz cx="9144000" cy="6858000" type="screen4x3"/>
   <p:notesSz cx="6858000" cy="9144000"/>
@@ -621,11 +624,11 @@
           <a:p>
             <a:r>
               <a:rPr lang="en-US" dirty="0" smtClean="0"/>
-              <a:t>This is</a:t>
+              <a:t>This door has</a:t>
             </a:r>
             <a:r>
               <a:rPr lang="en-US" baseline="0" dirty="0" smtClean="0"/>
-              <a:t> a basic window with the panes subtracted from the frame</a:t>
+              <a:t> an aspect ratio of 2.20 to 1, which approximates an 80” door, 36” wide.  The panes have not been subtracted from this object, so its size could be changed in PowerPoint.</a:t>
             </a:r>
             <a:endParaRPr lang="en-US" dirty="0"/>
           </a:p>
@@ -657,7 +660,7 @@
     </p:spTree>
     <p:extLst>
       <p:ext uri="{BB962C8B-B14F-4D97-AF65-F5344CB8AC3E}">
-        <p14:creationId xmlns:p14="http://schemas.microsoft.com/office/powerpoint/2010/main" val="112805665"/>
+        <p14:creationId xmlns:p14="http://schemas.microsoft.com/office/powerpoint/2010/main" val="456390694"/>
       </p:ext>
     </p:extLst>
   </p:cSld>
@@ -713,11 +716,15 @@
           <a:p>
             <a:r>
               <a:rPr lang="en-US" dirty="0" smtClean="0"/>
-              <a:t>This door has</a:t>
+              <a:t>This </a:t>
+            </a:r>
+            <a:r>
+              <a:rPr lang="en-US" dirty="0" smtClean="0"/>
+              <a:t>window is similar to Tichy 8010, in that it has a 42:36 aspect ratio.  The scale I use is 1 inch equals 1 foot, so this window is 3.5 by 3 inches.  I have</a:t>
             </a:r>
             <a:r>
               <a:rPr lang="en-US" baseline="0" dirty="0" smtClean="0"/>
-              <a:t> an aspect ratio of 2.20 to 1, which approximates an 80” door, 36” wide.  The panes have not been subtracted from this object, so its size could be changed in PowerPoint.</a:t>
+              <a:t> not tried to scale the panes or the frame to any specific size.</a:t>
             </a:r>
             <a:endParaRPr lang="en-US" dirty="0"/>
           </a:p>
@@ -805,13 +812,17 @@
           <a:p>
             <a:r>
               <a:rPr lang="en-US" dirty="0" smtClean="0"/>
-              <a:t>This door has had the panes subtracted, but could still </a:t>
-            </a:r>
-            <a:r>
-              <a:rPr lang="en-US" smtClean="0"/>
-              <a:t>be resized.  </a:t>
-            </a:r>
-            <a:endParaRPr lang="en-US"/>
+              <a:t>This </a:t>
+            </a:r>
+            <a:r>
+              <a:rPr lang="en-US" dirty="0" smtClean="0"/>
+              <a:t>window is similar to Tichy 8062, in that it has a 24:56 aspect ratio.  The scale I use is 1 inch equals 1 foot, so this window is 2 by 4.67 inches.  I have</a:t>
+            </a:r>
+            <a:r>
+              <a:rPr lang="en-US" baseline="0" dirty="0" smtClean="0"/>
+              <a:t> not tried to scale the panes or the frame to any specific size.</a:t>
+            </a:r>
+            <a:endParaRPr lang="en-US" dirty="0"/>
           </a:p>
         </p:txBody>
       </p:sp>
@@ -841,7 +852,301 @@
     </p:spTree>
     <p:extLst>
       <p:ext uri="{BB962C8B-B14F-4D97-AF65-F5344CB8AC3E}">
-        <p14:creationId xmlns:p14="http://schemas.microsoft.com/office/powerpoint/2010/main" val="1973073988"/>
+        <p14:creationId xmlns:p14="http://schemas.microsoft.com/office/powerpoint/2010/main" val="456390694"/>
+      </p:ext>
+    </p:extLst>
+  </p:cSld>
+  <p:clrMapOvr>
+    <a:masterClrMapping/>
+  </p:clrMapOvr>
+</p:notes>
+</file>
+
+<file path=ppt/notesSlides/notesSlide5.xml><?xml version="1.0" encoding="utf-8"?>
+<p:notes xmlns:a="http://schemas.openxmlformats.org/drawingml/2006/main" xmlns:r="http://schemas.openxmlformats.org/officeDocument/2006/relationships" xmlns:p="http://schemas.openxmlformats.org/presentationml/2006/main">
+  <p:cSld>
+    <p:spTree>
+      <p:nvGrpSpPr>
+        <p:cNvPr id="1" name=""/>
+        <p:cNvGrpSpPr/>
+        <p:nvPr/>
+      </p:nvGrpSpPr>
+      <p:grpSpPr>
+        <a:xfrm>
+          <a:off x="0" y="0"/>
+          <a:ext cx="0" cy="0"/>
+          <a:chOff x="0" y="0"/>
+          <a:chExt cx="0" cy="0"/>
+        </a:xfrm>
+      </p:grpSpPr>
+      <p:sp>
+        <p:nvSpPr>
+          <p:cNvPr id="2" name="Slide Image Placeholder 1"/>
+          <p:cNvSpPr>
+            <a:spLocks noGrp="1" noRot="1" noChangeAspect="1"/>
+          </p:cNvSpPr>
+          <p:nvPr>
+            <p:ph type="sldImg"/>
+          </p:nvPr>
+        </p:nvSpPr>
+        <p:spPr/>
+      </p:sp>
+      <p:sp>
+        <p:nvSpPr>
+          <p:cNvPr id="3" name="Notes Placeholder 2"/>
+          <p:cNvSpPr>
+            <a:spLocks noGrp="1"/>
+          </p:cNvSpPr>
+          <p:nvPr>
+            <p:ph type="body" idx="1"/>
+          </p:nvPr>
+        </p:nvSpPr>
+        <p:spPr/>
+        <p:txBody>
+          <a:bodyPr/>
+          <a:lstStyle/>
+          <a:p>
+            <a:r>
+              <a:rPr lang="en-US" dirty="0" smtClean="0"/>
+              <a:t>This </a:t>
+            </a:r>
+            <a:r>
+              <a:rPr lang="en-US" dirty="0" smtClean="0"/>
+              <a:t>window is similar to Tichy 8062, in that it has a 24:56 aspect ratio, but only 2 vertical panes.  The scale I use is 1 inch equals 1 foot, so this window is 2 by 4.67 inches.  I have</a:t>
+            </a:r>
+            <a:r>
+              <a:rPr lang="en-US" baseline="0" dirty="0" smtClean="0"/>
+              <a:t> not tried to scale the panes or the frame to any specific size.</a:t>
+            </a:r>
+            <a:endParaRPr lang="en-US" dirty="0"/>
+          </a:p>
+        </p:txBody>
+      </p:sp>
+      <p:sp>
+        <p:nvSpPr>
+          <p:cNvPr id="4" name="Slide Number Placeholder 3"/>
+          <p:cNvSpPr>
+            <a:spLocks noGrp="1"/>
+          </p:cNvSpPr>
+          <p:nvPr>
+            <p:ph type="sldNum" sz="quarter" idx="10"/>
+          </p:nvPr>
+        </p:nvSpPr>
+        <p:spPr/>
+        <p:txBody>
+          <a:bodyPr/>
+          <a:lstStyle/>
+          <a:p>
+            <a:fld id="{5E3C76AA-8AEC-4A29-A16E-A09AF23CBCB9}" type="slidenum">
+              <a:rPr lang="en-US" smtClean="0"/>
+              <a:t>5</a:t>
+            </a:fld>
+            <a:endParaRPr lang="en-US"/>
+          </a:p>
+        </p:txBody>
+      </p:sp>
+    </p:spTree>
+    <p:extLst>
+      <p:ext uri="{BB962C8B-B14F-4D97-AF65-F5344CB8AC3E}">
+        <p14:creationId xmlns:p14="http://schemas.microsoft.com/office/powerpoint/2010/main" val="456390694"/>
+      </p:ext>
+    </p:extLst>
+  </p:cSld>
+  <p:clrMapOvr>
+    <a:masterClrMapping/>
+  </p:clrMapOvr>
+</p:notes>
+</file>
+
+<file path=ppt/notesSlides/notesSlide6.xml><?xml version="1.0" encoding="utf-8"?>
+<p:notes xmlns:a="http://schemas.openxmlformats.org/drawingml/2006/main" xmlns:r="http://schemas.openxmlformats.org/officeDocument/2006/relationships" xmlns:p="http://schemas.openxmlformats.org/presentationml/2006/main">
+  <p:cSld>
+    <p:spTree>
+      <p:nvGrpSpPr>
+        <p:cNvPr id="1" name=""/>
+        <p:cNvGrpSpPr/>
+        <p:nvPr/>
+      </p:nvGrpSpPr>
+      <p:grpSpPr>
+        <a:xfrm>
+          <a:off x="0" y="0"/>
+          <a:ext cx="0" cy="0"/>
+          <a:chOff x="0" y="0"/>
+          <a:chExt cx="0" cy="0"/>
+        </a:xfrm>
+      </p:grpSpPr>
+      <p:sp>
+        <p:nvSpPr>
+          <p:cNvPr id="2" name="Slide Image Placeholder 1"/>
+          <p:cNvSpPr>
+            <a:spLocks noGrp="1" noRot="1" noChangeAspect="1"/>
+          </p:cNvSpPr>
+          <p:nvPr>
+            <p:ph type="sldImg"/>
+          </p:nvPr>
+        </p:nvSpPr>
+        <p:spPr/>
+      </p:sp>
+      <p:sp>
+        <p:nvSpPr>
+          <p:cNvPr id="3" name="Notes Placeholder 2"/>
+          <p:cNvSpPr>
+            <a:spLocks noGrp="1"/>
+          </p:cNvSpPr>
+          <p:nvPr>
+            <p:ph type="body" idx="1"/>
+          </p:nvPr>
+        </p:nvSpPr>
+        <p:spPr/>
+        <p:txBody>
+          <a:bodyPr/>
+          <a:lstStyle/>
+          <a:p>
+            <a:r>
+              <a:rPr lang="en-US" dirty="0" smtClean="0"/>
+              <a:t>This </a:t>
+            </a:r>
+            <a:r>
+              <a:rPr lang="en-US" dirty="0" smtClean="0"/>
+              <a:t>window is similar to Tichy 8030, in that it has a 80:30 aspect ratio.  The scale I use is 1 inch equals 1 foot, so this window is 6.67 by 2.5 inches.  I have</a:t>
+            </a:r>
+            <a:r>
+              <a:rPr lang="en-US" baseline="0" dirty="0" smtClean="0"/>
+              <a:t> not tried to scale the panes or the frame to any specific size.</a:t>
+            </a:r>
+            <a:endParaRPr lang="en-US" dirty="0"/>
+          </a:p>
+        </p:txBody>
+      </p:sp>
+      <p:sp>
+        <p:nvSpPr>
+          <p:cNvPr id="4" name="Slide Number Placeholder 3"/>
+          <p:cNvSpPr>
+            <a:spLocks noGrp="1"/>
+          </p:cNvSpPr>
+          <p:nvPr>
+            <p:ph type="sldNum" sz="quarter" idx="10"/>
+          </p:nvPr>
+        </p:nvSpPr>
+        <p:spPr/>
+        <p:txBody>
+          <a:bodyPr/>
+          <a:lstStyle/>
+          <a:p>
+            <a:fld id="{5E3C76AA-8AEC-4A29-A16E-A09AF23CBCB9}" type="slidenum">
+              <a:rPr lang="en-US" smtClean="0"/>
+              <a:t>6</a:t>
+            </a:fld>
+            <a:endParaRPr lang="en-US"/>
+          </a:p>
+        </p:txBody>
+      </p:sp>
+    </p:spTree>
+    <p:extLst>
+      <p:ext uri="{BB962C8B-B14F-4D97-AF65-F5344CB8AC3E}">
+        <p14:creationId xmlns:p14="http://schemas.microsoft.com/office/powerpoint/2010/main" val="456390694"/>
+      </p:ext>
+    </p:extLst>
+  </p:cSld>
+  <p:clrMapOvr>
+    <a:masterClrMapping/>
+  </p:clrMapOvr>
+</p:notes>
+</file>
+
+<file path=ppt/notesSlides/notesSlide7.xml><?xml version="1.0" encoding="utf-8"?>
+<p:notes xmlns:a="http://schemas.openxmlformats.org/drawingml/2006/main" xmlns:r="http://schemas.openxmlformats.org/officeDocument/2006/relationships" xmlns:p="http://schemas.openxmlformats.org/presentationml/2006/main">
+  <p:cSld>
+    <p:spTree>
+      <p:nvGrpSpPr>
+        <p:cNvPr id="1" name=""/>
+        <p:cNvGrpSpPr/>
+        <p:nvPr/>
+      </p:nvGrpSpPr>
+      <p:grpSpPr>
+        <a:xfrm>
+          <a:off x="0" y="0"/>
+          <a:ext cx="0" cy="0"/>
+          <a:chOff x="0" y="0"/>
+          <a:chExt cx="0" cy="0"/>
+        </a:xfrm>
+      </p:grpSpPr>
+      <p:sp>
+        <p:nvSpPr>
+          <p:cNvPr id="2" name="Slide Image Placeholder 1"/>
+          <p:cNvSpPr>
+            <a:spLocks noGrp="1" noRot="1" noChangeAspect="1"/>
+          </p:cNvSpPr>
+          <p:nvPr>
+            <p:ph type="sldImg"/>
+          </p:nvPr>
+        </p:nvSpPr>
+        <p:spPr/>
+      </p:sp>
+      <p:sp>
+        <p:nvSpPr>
+          <p:cNvPr id="3" name="Notes Placeholder 2"/>
+          <p:cNvSpPr>
+            <a:spLocks noGrp="1"/>
+          </p:cNvSpPr>
+          <p:nvPr>
+            <p:ph type="body" idx="1"/>
+          </p:nvPr>
+        </p:nvSpPr>
+        <p:spPr/>
+        <p:txBody>
+          <a:bodyPr/>
+          <a:lstStyle/>
+          <a:p>
+            <a:r>
+              <a:rPr lang="en-US" dirty="0" smtClean="0"/>
+              <a:t>This </a:t>
+            </a:r>
+            <a:r>
+              <a:rPr lang="en-US" dirty="0" smtClean="0"/>
+              <a:t>window is similar to Tichy 8024, in that it has a 36:64 aspect ratio.  The scale I use is 1 inch equals 1 foot, so this window is 3.00 by 5.33</a:t>
+            </a:r>
+          </a:p>
+          <a:p>
+            <a:r>
+              <a:rPr lang="en-US" dirty="0" smtClean="0"/>
+              <a:t> inches.  I have</a:t>
+            </a:r>
+            <a:r>
+              <a:rPr lang="en-US" baseline="0" dirty="0" smtClean="0"/>
+              <a:t> not tried to scale the panes or the frame to any specific size.</a:t>
+            </a:r>
+            <a:endParaRPr lang="en-US" dirty="0"/>
+          </a:p>
+        </p:txBody>
+      </p:sp>
+      <p:sp>
+        <p:nvSpPr>
+          <p:cNvPr id="4" name="Slide Number Placeholder 3"/>
+          <p:cNvSpPr>
+            <a:spLocks noGrp="1"/>
+          </p:cNvSpPr>
+          <p:nvPr>
+            <p:ph type="sldNum" sz="quarter" idx="10"/>
+          </p:nvPr>
+        </p:nvSpPr>
+        <p:spPr/>
+        <p:txBody>
+          <a:bodyPr/>
+          <a:lstStyle/>
+          <a:p>
+            <a:fld id="{5E3C76AA-8AEC-4A29-A16E-A09AF23CBCB9}" type="slidenum">
+              <a:rPr lang="en-US" smtClean="0"/>
+              <a:t>7</a:t>
+            </a:fld>
+            <a:endParaRPr lang="en-US"/>
+          </a:p>
+        </p:txBody>
+      </p:sp>
+    </p:spTree>
+    <p:extLst>
+      <p:ext uri="{BB962C8B-B14F-4D97-AF65-F5344CB8AC3E}">
+        <p14:creationId xmlns:p14="http://schemas.microsoft.com/office/powerpoint/2010/main" val="456390694"/>
       </p:ext>
     </p:extLst>
   </p:cSld>
@@ -3897,9 +4202,7 @@
             <a:avLst/>
           </a:prstGeom>
           <a:solidFill>
-            <a:schemeClr val="bg1">
-              <a:lumMod val="75000"/>
-            </a:schemeClr>
+            <a:srgbClr val="FFFF00"/>
           </a:solidFill>
           <a:ln>
             <a:noFill/>
@@ -3945,9 +4248,7 @@
             <a:avLst/>
           </a:prstGeom>
           <a:solidFill>
-            <a:schemeClr val="bg1">
-              <a:lumMod val="75000"/>
-            </a:schemeClr>
+            <a:srgbClr val="FFFF00"/>
           </a:solidFill>
           <a:ln>
             <a:noFill/>
@@ -3993,9 +4294,7 @@
             <a:avLst/>
           </a:prstGeom>
           <a:solidFill>
-            <a:schemeClr val="bg1">
-              <a:lumMod val="75000"/>
-            </a:schemeClr>
+            <a:srgbClr val="FFFF00"/>
           </a:solidFill>
           <a:ln>
             <a:noFill/>
@@ -4041,9 +4340,7 @@
             <a:avLst/>
           </a:prstGeom>
           <a:solidFill>
-            <a:schemeClr val="bg1">
-              <a:lumMod val="75000"/>
-            </a:schemeClr>
+            <a:srgbClr val="FFFF00"/>
           </a:solidFill>
           <a:ln>
             <a:noFill/>
@@ -4088,152 +4385,6 @@
 </file>
 
 <file path=ppt/slides/slide2.xml><?xml version="1.0" encoding="utf-8"?>
-<p:sld xmlns:a="http://schemas.openxmlformats.org/drawingml/2006/main" xmlns:r="http://schemas.openxmlformats.org/officeDocument/2006/relationships" xmlns:p="http://schemas.openxmlformats.org/presentationml/2006/main">
-  <p:cSld>
-    <p:spTree>
-      <p:nvGrpSpPr>
-        <p:cNvPr id="1" name=""/>
-        <p:cNvGrpSpPr/>
-        <p:nvPr/>
-      </p:nvGrpSpPr>
-      <p:grpSpPr>
-        <a:xfrm>
-          <a:off x="0" y="0"/>
-          <a:ext cx="0" cy="0"/>
-          <a:chOff x="0" y="0"/>
-          <a:chExt cx="0" cy="0"/>
-        </a:xfrm>
-      </p:grpSpPr>
-      <p:sp>
-        <p:nvSpPr>
-          <p:cNvPr id="4" name="Rectangle 3"/>
-          <p:cNvSpPr/>
-          <p:nvPr/>
-        </p:nvSpPr>
-        <p:spPr>
-          <a:xfrm>
-            <a:off x="152400" y="152400"/>
-            <a:ext cx="914400" cy="1371600"/>
-          </a:xfrm>
-          <a:custGeom>
-            <a:avLst/>
-            <a:gdLst/>
-            <a:ahLst/>
-            <a:cxnLst/>
-            <a:rect l="l" t="t" r="r" b="b"/>
-            <a:pathLst>
-              <a:path w="914400" h="1371600">
-                <a:moveTo>
-                  <a:pt x="115824" y="747277"/>
-                </a:moveTo>
-                <a:lnTo>
-                  <a:pt x="115824" y="1271588"/>
-                </a:lnTo>
-                <a:lnTo>
-                  <a:pt x="417576" y="1271588"/>
-                </a:lnTo>
-                <a:lnTo>
-                  <a:pt x="417576" y="747277"/>
-                </a:lnTo>
-                <a:close/>
-                <a:moveTo>
-                  <a:pt x="496824" y="741816"/>
-                </a:moveTo>
-                <a:lnTo>
-                  <a:pt x="496824" y="1266127"/>
-                </a:lnTo>
-                <a:lnTo>
-                  <a:pt x="798576" y="1266127"/>
-                </a:lnTo>
-                <a:lnTo>
-                  <a:pt x="798576" y="741816"/>
-                </a:lnTo>
-                <a:close/>
-                <a:moveTo>
-                  <a:pt x="115824" y="86425"/>
-                </a:moveTo>
-                <a:lnTo>
-                  <a:pt x="115824" y="610736"/>
-                </a:lnTo>
-                <a:lnTo>
-                  <a:pt x="417576" y="610736"/>
-                </a:lnTo>
-                <a:lnTo>
-                  <a:pt x="417576" y="86425"/>
-                </a:lnTo>
-                <a:close/>
-                <a:moveTo>
-                  <a:pt x="496824" y="80964"/>
-                </a:moveTo>
-                <a:lnTo>
-                  <a:pt x="496824" y="605275"/>
-                </a:lnTo>
-                <a:lnTo>
-                  <a:pt x="798576" y="605275"/>
-                </a:lnTo>
-                <a:lnTo>
-                  <a:pt x="798576" y="80964"/>
-                </a:lnTo>
-                <a:close/>
-                <a:moveTo>
-                  <a:pt x="0" y="0"/>
-                </a:moveTo>
-                <a:lnTo>
-                  <a:pt x="914400" y="0"/>
-                </a:lnTo>
-                <a:lnTo>
-                  <a:pt x="914400" y="1371600"/>
-                </a:lnTo>
-                <a:lnTo>
-                  <a:pt x="0" y="1371600"/>
-                </a:lnTo>
-                <a:close/>
-              </a:path>
-            </a:pathLst>
-          </a:custGeom>
-          <a:ln>
-            <a:noFill/>
-          </a:ln>
-        </p:spPr>
-        <p:style>
-          <a:lnRef idx="2">
-            <a:schemeClr val="accent1">
-              <a:shade val="50000"/>
-            </a:schemeClr>
-          </a:lnRef>
-          <a:fillRef idx="1">
-            <a:schemeClr val="accent1"/>
-          </a:fillRef>
-          <a:effectRef idx="0">
-            <a:schemeClr val="accent1"/>
-          </a:effectRef>
-          <a:fontRef idx="minor">
-            <a:schemeClr val="lt1"/>
-          </a:fontRef>
-        </p:style>
-        <p:txBody>
-          <a:bodyPr rtlCol="0" anchor="ctr"/>
-          <a:lstStyle/>
-          <a:p>
-            <a:pPr algn="ctr"/>
-            <a:endParaRPr lang="en-US"/>
-          </a:p>
-        </p:txBody>
-      </p:sp>
-    </p:spTree>
-    <p:extLst>
-      <p:ext uri="{BB962C8B-B14F-4D97-AF65-F5344CB8AC3E}">
-        <p14:creationId xmlns:p14="http://schemas.microsoft.com/office/powerpoint/2010/main" val="2607137252"/>
-      </p:ext>
-    </p:extLst>
-  </p:cSld>
-  <p:clrMapOvr>
-    <a:masterClrMapping/>
-  </p:clrMapOvr>
-</p:sld>
-</file>
-
-<file path=ppt/slides/slide3.xml><?xml version="1.0" encoding="utf-8"?>
 <p:sld xmlns:a="http://schemas.openxmlformats.org/drawingml/2006/main" xmlns:r="http://schemas.openxmlformats.org/officeDocument/2006/relationships" xmlns:p="http://schemas.openxmlformats.org/presentationml/2006/main">
   <p:cSld>
     <p:spTree>
@@ -4490,7 +4641,7 @@
 </p:sld>
 </file>
 
-<file path=ppt/slides/slide4.xml><?xml version="1.0" encoding="utf-8"?>
+<file path=ppt/slides/slide3.xml><?xml version="1.0" encoding="utf-8"?>
 <p:sld xmlns:a="http://schemas.openxmlformats.org/drawingml/2006/main" xmlns:r="http://schemas.openxmlformats.org/officeDocument/2006/relationships" xmlns:p="http://schemas.openxmlformats.org/presentationml/2006/main">
   <p:cSld>
     <p:spTree>
@@ -4516,84 +4667,11 @@
         <p:spPr>
           <a:xfrm>
             <a:off x="838200" y="914400"/>
-            <a:ext cx="914400" cy="2011680"/>
+            <a:ext cx="3200400" cy="2743200"/>
           </a:xfrm>
-          <a:custGeom>
+          <a:prstGeom prst="rect">
             <a:avLst/>
-            <a:gdLst/>
-            <a:ahLst/>
-            <a:cxnLst/>
-            <a:rect l="l" t="t" r="r" b="b"/>
-            <a:pathLst>
-              <a:path w="914400" h="2011680">
-                <a:moveTo>
-                  <a:pt x="501015" y="792480"/>
-                </a:moveTo>
-                <a:lnTo>
-                  <a:pt x="501015" y="1249680"/>
-                </a:lnTo>
-                <a:lnTo>
-                  <a:pt x="775335" y="1249680"/>
-                </a:lnTo>
-                <a:lnTo>
-                  <a:pt x="775335" y="792480"/>
-                </a:lnTo>
-                <a:close/>
-                <a:moveTo>
-                  <a:pt x="139065" y="792480"/>
-                </a:moveTo>
-                <a:lnTo>
-                  <a:pt x="139065" y="1249680"/>
-                </a:lnTo>
-                <a:lnTo>
-                  <a:pt x="413385" y="1249680"/>
-                </a:lnTo>
-                <a:lnTo>
-                  <a:pt x="413385" y="792480"/>
-                </a:lnTo>
-                <a:close/>
-                <a:moveTo>
-                  <a:pt x="501015" y="182880"/>
-                </a:moveTo>
-                <a:lnTo>
-                  <a:pt x="501015" y="640080"/>
-                </a:lnTo>
-                <a:lnTo>
-                  <a:pt x="775335" y="640080"/>
-                </a:lnTo>
-                <a:lnTo>
-                  <a:pt x="775335" y="182880"/>
-                </a:lnTo>
-                <a:close/>
-                <a:moveTo>
-                  <a:pt x="139065" y="182880"/>
-                </a:moveTo>
-                <a:lnTo>
-                  <a:pt x="139065" y="640080"/>
-                </a:lnTo>
-                <a:lnTo>
-                  <a:pt x="413385" y="640080"/>
-                </a:lnTo>
-                <a:lnTo>
-                  <a:pt x="413385" y="182880"/>
-                </a:lnTo>
-                <a:close/>
-                <a:moveTo>
-                  <a:pt x="0" y="0"/>
-                </a:moveTo>
-                <a:lnTo>
-                  <a:pt x="914400" y="0"/>
-                </a:lnTo>
-                <a:lnTo>
-                  <a:pt x="914400" y="2011680"/>
-                </a:lnTo>
-                <a:lnTo>
-                  <a:pt x="0" y="2011680"/>
-                </a:lnTo>
-                <a:close/>
-              </a:path>
-            </a:pathLst>
-          </a:custGeom>
+          </a:prstGeom>
           <a:ln>
             <a:noFill/>
           </a:ln>
@@ -4623,10 +4701,2059 @@
           </a:p>
         </p:txBody>
       </p:sp>
+      <p:grpSp>
+        <p:nvGrpSpPr>
+          <p:cNvPr id="3" name="Group 2"/>
+          <p:cNvGrpSpPr/>
+          <p:nvPr/>
+        </p:nvGrpSpPr>
+        <p:grpSpPr>
+          <a:xfrm>
+            <a:off x="1097280" y="1165860"/>
+            <a:ext cx="2682240" cy="2240280"/>
+            <a:chOff x="1143000" y="1097280"/>
+            <a:chExt cx="2682240" cy="2240280"/>
+          </a:xfrm>
+        </p:grpSpPr>
+        <p:grpSp>
+          <p:nvGrpSpPr>
+            <p:cNvPr id="2" name="Group 1"/>
+            <p:cNvGrpSpPr/>
+            <p:nvPr/>
+          </p:nvGrpSpPr>
+          <p:grpSpPr>
+            <a:xfrm>
+              <a:off x="3048000" y="1097280"/>
+              <a:ext cx="777240" cy="2240280"/>
+              <a:chOff x="3124200" y="1097280"/>
+              <a:chExt cx="685800" cy="2240280"/>
+            </a:xfrm>
+          </p:grpSpPr>
+          <p:sp>
+            <p:nvSpPr>
+              <p:cNvPr id="6" name="Rectangle 5"/>
+              <p:cNvSpPr/>
+              <p:nvPr/>
+            </p:nvSpPr>
+            <p:spPr>
+              <a:xfrm>
+                <a:off x="3124200" y="1097280"/>
+                <a:ext cx="685800" cy="1051560"/>
+              </a:xfrm>
+              <a:prstGeom prst="rect">
+                <a:avLst/>
+              </a:prstGeom>
+              <a:solidFill>
+                <a:srgbClr val="FFFF00"/>
+              </a:solidFill>
+              <a:ln>
+                <a:noFill/>
+              </a:ln>
+            </p:spPr>
+            <p:style>
+              <a:lnRef idx="2">
+                <a:schemeClr val="accent1">
+                  <a:shade val="50000"/>
+                </a:schemeClr>
+              </a:lnRef>
+              <a:fillRef idx="1">
+                <a:schemeClr val="accent1"/>
+              </a:fillRef>
+              <a:effectRef idx="0">
+                <a:schemeClr val="accent1"/>
+              </a:effectRef>
+              <a:fontRef idx="minor">
+                <a:schemeClr val="lt1"/>
+              </a:fontRef>
+            </p:style>
+            <p:txBody>
+              <a:bodyPr rtlCol="0" anchor="ctr"/>
+              <a:lstStyle/>
+              <a:p>
+                <a:pPr algn="ctr"/>
+                <a:endParaRPr lang="en-US"/>
+              </a:p>
+            </p:txBody>
+          </p:sp>
+          <p:sp>
+            <p:nvSpPr>
+              <p:cNvPr id="7" name="Rectangle 6"/>
+              <p:cNvSpPr/>
+              <p:nvPr/>
+            </p:nvSpPr>
+            <p:spPr>
+              <a:xfrm>
+                <a:off x="3124200" y="2286000"/>
+                <a:ext cx="685800" cy="1051560"/>
+              </a:xfrm>
+              <a:prstGeom prst="rect">
+                <a:avLst/>
+              </a:prstGeom>
+              <a:solidFill>
+                <a:srgbClr val="FFFF00"/>
+              </a:solidFill>
+              <a:ln>
+                <a:noFill/>
+              </a:ln>
+            </p:spPr>
+            <p:style>
+              <a:lnRef idx="2">
+                <a:schemeClr val="accent1">
+                  <a:shade val="50000"/>
+                </a:schemeClr>
+              </a:lnRef>
+              <a:fillRef idx="1">
+                <a:schemeClr val="accent1"/>
+              </a:fillRef>
+              <a:effectRef idx="0">
+                <a:schemeClr val="accent1"/>
+              </a:effectRef>
+              <a:fontRef idx="minor">
+                <a:schemeClr val="lt1"/>
+              </a:fontRef>
+            </p:style>
+            <p:txBody>
+              <a:bodyPr rtlCol="0" anchor="ctr"/>
+              <a:lstStyle/>
+              <a:p>
+                <a:pPr algn="ctr"/>
+                <a:endParaRPr lang="en-US"/>
+              </a:p>
+            </p:txBody>
+          </p:sp>
+        </p:grpSp>
+        <p:grpSp>
+          <p:nvGrpSpPr>
+            <p:cNvPr id="11" name="Group 10"/>
+            <p:cNvGrpSpPr/>
+            <p:nvPr/>
+          </p:nvGrpSpPr>
+          <p:grpSpPr>
+            <a:xfrm>
+              <a:off x="2095500" y="1097280"/>
+              <a:ext cx="777240" cy="2240280"/>
+              <a:chOff x="3124200" y="1097280"/>
+              <a:chExt cx="685800" cy="2240280"/>
+            </a:xfrm>
+          </p:grpSpPr>
+          <p:sp>
+            <p:nvSpPr>
+              <p:cNvPr id="12" name="Rectangle 11"/>
+              <p:cNvSpPr/>
+              <p:nvPr/>
+            </p:nvSpPr>
+            <p:spPr>
+              <a:xfrm>
+                <a:off x="3124200" y="1097280"/>
+                <a:ext cx="685800" cy="1051560"/>
+              </a:xfrm>
+              <a:prstGeom prst="rect">
+                <a:avLst/>
+              </a:prstGeom>
+              <a:solidFill>
+                <a:srgbClr val="FFFF00"/>
+              </a:solidFill>
+              <a:ln>
+                <a:noFill/>
+              </a:ln>
+            </p:spPr>
+            <p:style>
+              <a:lnRef idx="2">
+                <a:schemeClr val="accent1">
+                  <a:shade val="50000"/>
+                </a:schemeClr>
+              </a:lnRef>
+              <a:fillRef idx="1">
+                <a:schemeClr val="accent1"/>
+              </a:fillRef>
+              <a:effectRef idx="0">
+                <a:schemeClr val="accent1"/>
+              </a:effectRef>
+              <a:fontRef idx="minor">
+                <a:schemeClr val="lt1"/>
+              </a:fontRef>
+            </p:style>
+            <p:txBody>
+              <a:bodyPr rtlCol="0" anchor="ctr"/>
+              <a:lstStyle/>
+              <a:p>
+                <a:pPr algn="ctr"/>
+                <a:endParaRPr lang="en-US"/>
+              </a:p>
+            </p:txBody>
+          </p:sp>
+          <p:sp>
+            <p:nvSpPr>
+              <p:cNvPr id="13" name="Rectangle 12"/>
+              <p:cNvSpPr/>
+              <p:nvPr/>
+            </p:nvSpPr>
+            <p:spPr>
+              <a:xfrm>
+                <a:off x="3124200" y="2286000"/>
+                <a:ext cx="685800" cy="1051560"/>
+              </a:xfrm>
+              <a:prstGeom prst="rect">
+                <a:avLst/>
+              </a:prstGeom>
+              <a:solidFill>
+                <a:srgbClr val="FFFF00"/>
+              </a:solidFill>
+              <a:ln>
+                <a:noFill/>
+              </a:ln>
+            </p:spPr>
+            <p:style>
+              <a:lnRef idx="2">
+                <a:schemeClr val="accent1">
+                  <a:shade val="50000"/>
+                </a:schemeClr>
+              </a:lnRef>
+              <a:fillRef idx="1">
+                <a:schemeClr val="accent1"/>
+              </a:fillRef>
+              <a:effectRef idx="0">
+                <a:schemeClr val="accent1"/>
+              </a:effectRef>
+              <a:fontRef idx="minor">
+                <a:schemeClr val="lt1"/>
+              </a:fontRef>
+            </p:style>
+            <p:txBody>
+              <a:bodyPr rtlCol="0" anchor="ctr"/>
+              <a:lstStyle/>
+              <a:p>
+                <a:pPr algn="ctr"/>
+                <a:endParaRPr lang="en-US"/>
+              </a:p>
+            </p:txBody>
+          </p:sp>
+        </p:grpSp>
+        <p:grpSp>
+          <p:nvGrpSpPr>
+            <p:cNvPr id="14" name="Group 13"/>
+            <p:cNvGrpSpPr/>
+            <p:nvPr/>
+          </p:nvGrpSpPr>
+          <p:grpSpPr>
+            <a:xfrm>
+              <a:off x="1143000" y="1097280"/>
+              <a:ext cx="777240" cy="2240280"/>
+              <a:chOff x="3124200" y="1097280"/>
+              <a:chExt cx="685800" cy="2240280"/>
+            </a:xfrm>
+          </p:grpSpPr>
+          <p:sp>
+            <p:nvSpPr>
+              <p:cNvPr id="15" name="Rectangle 14"/>
+              <p:cNvSpPr/>
+              <p:nvPr/>
+            </p:nvSpPr>
+            <p:spPr>
+              <a:xfrm>
+                <a:off x="3124200" y="1097280"/>
+                <a:ext cx="685800" cy="1051560"/>
+              </a:xfrm>
+              <a:prstGeom prst="rect">
+                <a:avLst/>
+              </a:prstGeom>
+              <a:solidFill>
+                <a:srgbClr val="FFFF00"/>
+              </a:solidFill>
+              <a:ln>
+                <a:noFill/>
+              </a:ln>
+            </p:spPr>
+            <p:style>
+              <a:lnRef idx="2">
+                <a:schemeClr val="accent1">
+                  <a:shade val="50000"/>
+                </a:schemeClr>
+              </a:lnRef>
+              <a:fillRef idx="1">
+                <a:schemeClr val="accent1"/>
+              </a:fillRef>
+              <a:effectRef idx="0">
+                <a:schemeClr val="accent1"/>
+              </a:effectRef>
+              <a:fontRef idx="minor">
+                <a:schemeClr val="lt1"/>
+              </a:fontRef>
+            </p:style>
+            <p:txBody>
+              <a:bodyPr rtlCol="0" anchor="ctr"/>
+              <a:lstStyle/>
+              <a:p>
+                <a:pPr algn="ctr"/>
+                <a:endParaRPr lang="en-US"/>
+              </a:p>
+            </p:txBody>
+          </p:sp>
+          <p:sp>
+            <p:nvSpPr>
+              <p:cNvPr id="16" name="Rectangle 15"/>
+              <p:cNvSpPr/>
+              <p:nvPr/>
+            </p:nvSpPr>
+            <p:spPr>
+              <a:xfrm>
+                <a:off x="3124200" y="2286000"/>
+                <a:ext cx="685800" cy="1051560"/>
+              </a:xfrm>
+              <a:prstGeom prst="rect">
+                <a:avLst/>
+              </a:prstGeom>
+              <a:solidFill>
+                <a:srgbClr val="FFFF00"/>
+              </a:solidFill>
+              <a:ln>
+                <a:noFill/>
+              </a:ln>
+            </p:spPr>
+            <p:style>
+              <a:lnRef idx="2">
+                <a:schemeClr val="accent1">
+                  <a:shade val="50000"/>
+                </a:schemeClr>
+              </a:lnRef>
+              <a:fillRef idx="1">
+                <a:schemeClr val="accent1"/>
+              </a:fillRef>
+              <a:effectRef idx="0">
+                <a:schemeClr val="accent1"/>
+              </a:effectRef>
+              <a:fontRef idx="minor">
+                <a:schemeClr val="lt1"/>
+              </a:fontRef>
+            </p:style>
+            <p:txBody>
+              <a:bodyPr rtlCol="0" anchor="ctr"/>
+              <a:lstStyle/>
+              <a:p>
+                <a:pPr algn="ctr"/>
+                <a:endParaRPr lang="en-US"/>
+              </a:p>
+            </p:txBody>
+          </p:sp>
+        </p:grpSp>
+      </p:grpSp>
     </p:spTree>
     <p:extLst>
       <p:ext uri="{BB962C8B-B14F-4D97-AF65-F5344CB8AC3E}">
-        <p14:creationId xmlns:p14="http://schemas.microsoft.com/office/powerpoint/2010/main" val="3463950585"/>
+        <p14:creationId xmlns:p14="http://schemas.microsoft.com/office/powerpoint/2010/main" val="982135191"/>
+      </p:ext>
+    </p:extLst>
+  </p:cSld>
+  <p:clrMapOvr>
+    <a:masterClrMapping/>
+  </p:clrMapOvr>
+</p:sld>
+</file>
+
+<file path=ppt/slides/slide4.xml><?xml version="1.0" encoding="utf-8"?>
+<p:sld xmlns:a="http://schemas.openxmlformats.org/drawingml/2006/main" xmlns:r="http://schemas.openxmlformats.org/officeDocument/2006/relationships" xmlns:p="http://schemas.openxmlformats.org/presentationml/2006/main">
+  <p:cSld>
+    <p:spTree>
+      <p:nvGrpSpPr>
+        <p:cNvPr id="1" name=""/>
+        <p:cNvGrpSpPr/>
+        <p:nvPr/>
+      </p:nvGrpSpPr>
+      <p:grpSpPr>
+        <a:xfrm>
+          <a:off x="0" y="0"/>
+          <a:ext cx="0" cy="0"/>
+          <a:chOff x="0" y="0"/>
+          <a:chExt cx="0" cy="0"/>
+        </a:xfrm>
+      </p:grpSpPr>
+      <p:sp>
+        <p:nvSpPr>
+          <p:cNvPr id="4" name="Rectangle 3"/>
+          <p:cNvSpPr/>
+          <p:nvPr/>
+        </p:nvSpPr>
+        <p:spPr>
+          <a:xfrm>
+            <a:off x="838200" y="914400"/>
+            <a:ext cx="1828800" cy="4270248"/>
+          </a:xfrm>
+          <a:prstGeom prst="rect">
+            <a:avLst/>
+          </a:prstGeom>
+          <a:ln>
+            <a:noFill/>
+          </a:ln>
+        </p:spPr>
+        <p:style>
+          <a:lnRef idx="2">
+            <a:schemeClr val="accent1">
+              <a:shade val="50000"/>
+            </a:schemeClr>
+          </a:lnRef>
+          <a:fillRef idx="1">
+            <a:schemeClr val="accent1"/>
+          </a:fillRef>
+          <a:effectRef idx="0">
+            <a:schemeClr val="accent1"/>
+          </a:effectRef>
+          <a:fontRef idx="minor">
+            <a:schemeClr val="lt1"/>
+          </a:fontRef>
+        </p:style>
+        <p:txBody>
+          <a:bodyPr rtlCol="0" anchor="ctr"/>
+          <a:lstStyle/>
+          <a:p>
+            <a:pPr algn="ctr"/>
+            <a:endParaRPr lang="en-US"/>
+          </a:p>
+        </p:txBody>
+      </p:sp>
+      <p:grpSp>
+        <p:nvGrpSpPr>
+          <p:cNvPr id="5" name="Group 4"/>
+          <p:cNvGrpSpPr/>
+          <p:nvPr/>
+        </p:nvGrpSpPr>
+        <p:grpSpPr>
+          <a:xfrm>
+            <a:off x="1036320" y="1083564"/>
+            <a:ext cx="1432560" cy="3931920"/>
+            <a:chOff x="1097280" y="1151346"/>
+            <a:chExt cx="1432560" cy="3657600"/>
+          </a:xfrm>
+        </p:grpSpPr>
+        <p:grpSp>
+          <p:nvGrpSpPr>
+            <p:cNvPr id="14" name="Group 13"/>
+            <p:cNvGrpSpPr/>
+            <p:nvPr/>
+          </p:nvGrpSpPr>
+          <p:grpSpPr>
+            <a:xfrm>
+              <a:off x="1097280" y="1151346"/>
+              <a:ext cx="640080" cy="3657600"/>
+              <a:chOff x="3124200" y="1097280"/>
+              <a:chExt cx="685800" cy="2240280"/>
+            </a:xfrm>
+          </p:grpSpPr>
+          <p:sp>
+            <p:nvSpPr>
+              <p:cNvPr id="15" name="Rectangle 14"/>
+              <p:cNvSpPr/>
+              <p:nvPr/>
+            </p:nvSpPr>
+            <p:spPr>
+              <a:xfrm>
+                <a:off x="3124200" y="1097280"/>
+                <a:ext cx="685800" cy="1051560"/>
+              </a:xfrm>
+              <a:prstGeom prst="rect">
+                <a:avLst/>
+              </a:prstGeom>
+              <a:solidFill>
+                <a:srgbClr val="FFFF00"/>
+              </a:solidFill>
+              <a:ln>
+                <a:noFill/>
+              </a:ln>
+            </p:spPr>
+            <p:style>
+              <a:lnRef idx="2">
+                <a:schemeClr val="accent1">
+                  <a:shade val="50000"/>
+                </a:schemeClr>
+              </a:lnRef>
+              <a:fillRef idx="1">
+                <a:schemeClr val="accent1"/>
+              </a:fillRef>
+              <a:effectRef idx="0">
+                <a:schemeClr val="accent1"/>
+              </a:effectRef>
+              <a:fontRef idx="minor">
+                <a:schemeClr val="lt1"/>
+              </a:fontRef>
+            </p:style>
+            <p:txBody>
+              <a:bodyPr rtlCol="0" anchor="ctr"/>
+              <a:lstStyle/>
+              <a:p>
+                <a:pPr algn="ctr"/>
+                <a:endParaRPr lang="en-US"/>
+              </a:p>
+            </p:txBody>
+          </p:sp>
+          <p:sp>
+            <p:nvSpPr>
+              <p:cNvPr id="16" name="Rectangle 15"/>
+              <p:cNvSpPr/>
+              <p:nvPr/>
+            </p:nvSpPr>
+            <p:spPr>
+              <a:xfrm>
+                <a:off x="3124200" y="2286000"/>
+                <a:ext cx="685800" cy="1051560"/>
+              </a:xfrm>
+              <a:prstGeom prst="rect">
+                <a:avLst/>
+              </a:prstGeom>
+              <a:solidFill>
+                <a:srgbClr val="FFFF00"/>
+              </a:solidFill>
+              <a:ln>
+                <a:noFill/>
+              </a:ln>
+            </p:spPr>
+            <p:style>
+              <a:lnRef idx="2">
+                <a:schemeClr val="accent1">
+                  <a:shade val="50000"/>
+                </a:schemeClr>
+              </a:lnRef>
+              <a:fillRef idx="1">
+                <a:schemeClr val="accent1"/>
+              </a:fillRef>
+              <a:effectRef idx="0">
+                <a:schemeClr val="accent1"/>
+              </a:effectRef>
+              <a:fontRef idx="minor">
+                <a:schemeClr val="lt1"/>
+              </a:fontRef>
+            </p:style>
+            <p:txBody>
+              <a:bodyPr rtlCol="0" anchor="ctr"/>
+              <a:lstStyle/>
+              <a:p>
+                <a:pPr algn="ctr"/>
+                <a:endParaRPr lang="en-US"/>
+              </a:p>
+            </p:txBody>
+          </p:sp>
+        </p:grpSp>
+        <p:grpSp>
+          <p:nvGrpSpPr>
+            <p:cNvPr id="17" name="Group 16"/>
+            <p:cNvGrpSpPr/>
+            <p:nvPr/>
+          </p:nvGrpSpPr>
+          <p:grpSpPr>
+            <a:xfrm>
+              <a:off x="1889760" y="1151346"/>
+              <a:ext cx="640080" cy="3657600"/>
+              <a:chOff x="3124200" y="1097280"/>
+              <a:chExt cx="685800" cy="2240280"/>
+            </a:xfrm>
+          </p:grpSpPr>
+          <p:sp>
+            <p:nvSpPr>
+              <p:cNvPr id="18" name="Rectangle 17"/>
+              <p:cNvSpPr/>
+              <p:nvPr/>
+            </p:nvSpPr>
+            <p:spPr>
+              <a:xfrm>
+                <a:off x="3124200" y="1097280"/>
+                <a:ext cx="685800" cy="1051560"/>
+              </a:xfrm>
+              <a:prstGeom prst="rect">
+                <a:avLst/>
+              </a:prstGeom>
+              <a:solidFill>
+                <a:srgbClr val="FFFF00"/>
+              </a:solidFill>
+              <a:ln>
+                <a:noFill/>
+              </a:ln>
+            </p:spPr>
+            <p:style>
+              <a:lnRef idx="2">
+                <a:schemeClr val="accent1">
+                  <a:shade val="50000"/>
+                </a:schemeClr>
+              </a:lnRef>
+              <a:fillRef idx="1">
+                <a:schemeClr val="accent1"/>
+              </a:fillRef>
+              <a:effectRef idx="0">
+                <a:schemeClr val="accent1"/>
+              </a:effectRef>
+              <a:fontRef idx="minor">
+                <a:schemeClr val="lt1"/>
+              </a:fontRef>
+            </p:style>
+            <p:txBody>
+              <a:bodyPr rtlCol="0" anchor="ctr"/>
+              <a:lstStyle/>
+              <a:p>
+                <a:pPr algn="ctr"/>
+                <a:endParaRPr lang="en-US"/>
+              </a:p>
+            </p:txBody>
+          </p:sp>
+          <p:sp>
+            <p:nvSpPr>
+              <p:cNvPr id="19" name="Rectangle 18"/>
+              <p:cNvSpPr/>
+              <p:nvPr/>
+            </p:nvSpPr>
+            <p:spPr>
+              <a:xfrm>
+                <a:off x="3124200" y="2286000"/>
+                <a:ext cx="685800" cy="1051560"/>
+              </a:xfrm>
+              <a:prstGeom prst="rect">
+                <a:avLst/>
+              </a:prstGeom>
+              <a:solidFill>
+                <a:srgbClr val="FFFF00"/>
+              </a:solidFill>
+              <a:ln>
+                <a:noFill/>
+              </a:ln>
+            </p:spPr>
+            <p:style>
+              <a:lnRef idx="2">
+                <a:schemeClr val="accent1">
+                  <a:shade val="50000"/>
+                </a:schemeClr>
+              </a:lnRef>
+              <a:fillRef idx="1">
+                <a:schemeClr val="accent1"/>
+              </a:fillRef>
+              <a:effectRef idx="0">
+                <a:schemeClr val="accent1"/>
+              </a:effectRef>
+              <a:fontRef idx="minor">
+                <a:schemeClr val="lt1"/>
+              </a:fontRef>
+            </p:style>
+            <p:txBody>
+              <a:bodyPr rtlCol="0" anchor="ctr"/>
+              <a:lstStyle/>
+              <a:p>
+                <a:pPr algn="ctr"/>
+                <a:endParaRPr lang="en-US"/>
+              </a:p>
+            </p:txBody>
+          </p:sp>
+        </p:grpSp>
+      </p:grpSp>
+    </p:spTree>
+    <p:extLst>
+      <p:ext uri="{BB962C8B-B14F-4D97-AF65-F5344CB8AC3E}">
+        <p14:creationId xmlns:p14="http://schemas.microsoft.com/office/powerpoint/2010/main" val="1411316653"/>
+      </p:ext>
+    </p:extLst>
+  </p:cSld>
+  <p:clrMapOvr>
+    <a:masterClrMapping/>
+  </p:clrMapOvr>
+</p:sld>
+</file>
+
+<file path=ppt/slides/slide5.xml><?xml version="1.0" encoding="utf-8"?>
+<p:sld xmlns:a="http://schemas.openxmlformats.org/drawingml/2006/main" xmlns:r="http://schemas.openxmlformats.org/officeDocument/2006/relationships" xmlns:p="http://schemas.openxmlformats.org/presentationml/2006/main">
+  <p:cSld>
+    <p:spTree>
+      <p:nvGrpSpPr>
+        <p:cNvPr id="1" name=""/>
+        <p:cNvGrpSpPr/>
+        <p:nvPr/>
+      </p:nvGrpSpPr>
+      <p:grpSpPr>
+        <a:xfrm>
+          <a:off x="0" y="0"/>
+          <a:ext cx="0" cy="0"/>
+          <a:chOff x="0" y="0"/>
+          <a:chExt cx="0" cy="0"/>
+        </a:xfrm>
+      </p:grpSpPr>
+      <p:sp>
+        <p:nvSpPr>
+          <p:cNvPr id="4" name="Rectangle 3"/>
+          <p:cNvSpPr/>
+          <p:nvPr/>
+        </p:nvSpPr>
+        <p:spPr>
+          <a:xfrm>
+            <a:off x="838200" y="914400"/>
+            <a:ext cx="1828800" cy="4270248"/>
+          </a:xfrm>
+          <a:prstGeom prst="rect">
+            <a:avLst/>
+          </a:prstGeom>
+          <a:ln>
+            <a:noFill/>
+          </a:ln>
+        </p:spPr>
+        <p:style>
+          <a:lnRef idx="2">
+            <a:schemeClr val="accent1">
+              <a:shade val="50000"/>
+            </a:schemeClr>
+          </a:lnRef>
+          <a:fillRef idx="1">
+            <a:schemeClr val="accent1"/>
+          </a:fillRef>
+          <a:effectRef idx="0">
+            <a:schemeClr val="accent1"/>
+          </a:effectRef>
+          <a:fontRef idx="minor">
+            <a:schemeClr val="lt1"/>
+          </a:fontRef>
+        </p:style>
+        <p:txBody>
+          <a:bodyPr rtlCol="0" anchor="ctr"/>
+          <a:lstStyle/>
+          <a:p>
+            <a:pPr algn="ctr"/>
+            <a:endParaRPr lang="en-US"/>
+          </a:p>
+        </p:txBody>
+      </p:sp>
+      <p:sp>
+        <p:nvSpPr>
+          <p:cNvPr id="15" name="Rectangle 14"/>
+          <p:cNvSpPr/>
+          <p:nvPr/>
+        </p:nvSpPr>
+        <p:spPr>
+          <a:xfrm>
+            <a:off x="1036320" y="1083563"/>
+            <a:ext cx="640080" cy="3931920"/>
+          </a:xfrm>
+          <a:prstGeom prst="rect">
+            <a:avLst/>
+          </a:prstGeom>
+          <a:solidFill>
+            <a:srgbClr val="FFFF00"/>
+          </a:solidFill>
+          <a:ln>
+            <a:noFill/>
+          </a:ln>
+        </p:spPr>
+        <p:style>
+          <a:lnRef idx="2">
+            <a:schemeClr val="accent1">
+              <a:shade val="50000"/>
+            </a:schemeClr>
+          </a:lnRef>
+          <a:fillRef idx="1">
+            <a:schemeClr val="accent1"/>
+          </a:fillRef>
+          <a:effectRef idx="0">
+            <a:schemeClr val="accent1"/>
+          </a:effectRef>
+          <a:fontRef idx="minor">
+            <a:schemeClr val="lt1"/>
+          </a:fontRef>
+        </p:style>
+        <p:txBody>
+          <a:bodyPr rtlCol="0" anchor="ctr"/>
+          <a:lstStyle/>
+          <a:p>
+            <a:pPr algn="ctr"/>
+            <a:endParaRPr lang="en-US"/>
+          </a:p>
+        </p:txBody>
+      </p:sp>
+      <p:sp>
+        <p:nvSpPr>
+          <p:cNvPr id="18" name="Rectangle 17"/>
+          <p:cNvSpPr/>
+          <p:nvPr/>
+        </p:nvSpPr>
+        <p:spPr>
+          <a:xfrm>
+            <a:off x="1828800" y="1083563"/>
+            <a:ext cx="640080" cy="3931920"/>
+          </a:xfrm>
+          <a:prstGeom prst="rect">
+            <a:avLst/>
+          </a:prstGeom>
+          <a:solidFill>
+            <a:srgbClr val="FFFF00"/>
+          </a:solidFill>
+          <a:ln>
+            <a:noFill/>
+          </a:ln>
+        </p:spPr>
+        <p:style>
+          <a:lnRef idx="2">
+            <a:schemeClr val="accent1">
+              <a:shade val="50000"/>
+            </a:schemeClr>
+          </a:lnRef>
+          <a:fillRef idx="1">
+            <a:schemeClr val="accent1"/>
+          </a:fillRef>
+          <a:effectRef idx="0">
+            <a:schemeClr val="accent1"/>
+          </a:effectRef>
+          <a:fontRef idx="minor">
+            <a:schemeClr val="lt1"/>
+          </a:fontRef>
+        </p:style>
+        <p:txBody>
+          <a:bodyPr rtlCol="0" anchor="ctr"/>
+          <a:lstStyle/>
+          <a:p>
+            <a:pPr algn="ctr"/>
+            <a:endParaRPr lang="en-US"/>
+          </a:p>
+        </p:txBody>
+      </p:sp>
+    </p:spTree>
+    <p:extLst>
+      <p:ext uri="{BB962C8B-B14F-4D97-AF65-F5344CB8AC3E}">
+        <p14:creationId xmlns:p14="http://schemas.microsoft.com/office/powerpoint/2010/main" val="2880922382"/>
+      </p:ext>
+    </p:extLst>
+  </p:cSld>
+  <p:clrMapOvr>
+    <a:masterClrMapping/>
+  </p:clrMapOvr>
+</p:sld>
+</file>
+
+<file path=ppt/slides/slide6.xml><?xml version="1.0" encoding="utf-8"?>
+<p:sld xmlns:a="http://schemas.openxmlformats.org/drawingml/2006/main" xmlns:r="http://schemas.openxmlformats.org/officeDocument/2006/relationships" xmlns:p="http://schemas.openxmlformats.org/presentationml/2006/main">
+  <p:cSld>
+    <p:spTree>
+      <p:nvGrpSpPr>
+        <p:cNvPr id="1" name=""/>
+        <p:cNvGrpSpPr/>
+        <p:nvPr/>
+      </p:nvGrpSpPr>
+      <p:grpSpPr>
+        <a:xfrm>
+          <a:off x="0" y="0"/>
+          <a:ext cx="0" cy="0"/>
+          <a:chOff x="0" y="0"/>
+          <a:chExt cx="0" cy="0"/>
+        </a:xfrm>
+      </p:grpSpPr>
+      <p:sp>
+        <p:nvSpPr>
+          <p:cNvPr id="4" name="Rectangle 3"/>
+          <p:cNvSpPr/>
+          <p:nvPr/>
+        </p:nvSpPr>
+        <p:spPr>
+          <a:xfrm>
+            <a:off x="800100" y="356616"/>
+            <a:ext cx="2286000" cy="6099048"/>
+          </a:xfrm>
+          <a:prstGeom prst="rect">
+            <a:avLst/>
+          </a:prstGeom>
+          <a:ln>
+            <a:noFill/>
+          </a:ln>
+        </p:spPr>
+        <p:style>
+          <a:lnRef idx="2">
+            <a:schemeClr val="accent1">
+              <a:shade val="50000"/>
+            </a:schemeClr>
+          </a:lnRef>
+          <a:fillRef idx="1">
+            <a:schemeClr val="accent1"/>
+          </a:fillRef>
+          <a:effectRef idx="0">
+            <a:schemeClr val="accent1"/>
+          </a:effectRef>
+          <a:fontRef idx="minor">
+            <a:schemeClr val="lt1"/>
+          </a:fontRef>
+        </p:style>
+        <p:txBody>
+          <a:bodyPr rtlCol="0" anchor="ctr"/>
+          <a:lstStyle/>
+          <a:p>
+            <a:pPr algn="ctr"/>
+            <a:endParaRPr lang="en-US"/>
+          </a:p>
+        </p:txBody>
+      </p:sp>
+      <p:grpSp>
+        <p:nvGrpSpPr>
+          <p:cNvPr id="8" name="Group 7"/>
+          <p:cNvGrpSpPr/>
+          <p:nvPr/>
+        </p:nvGrpSpPr>
+        <p:grpSpPr>
+          <a:xfrm>
+            <a:off x="982980" y="586740"/>
+            <a:ext cx="1920240" cy="5638800"/>
+            <a:chOff x="1059180" y="662940"/>
+            <a:chExt cx="1733550" cy="5638800"/>
+          </a:xfrm>
+        </p:grpSpPr>
+        <p:grpSp>
+          <p:nvGrpSpPr>
+            <p:cNvPr id="5" name="Group 4"/>
+            <p:cNvGrpSpPr/>
+            <p:nvPr/>
+          </p:nvGrpSpPr>
+          <p:grpSpPr>
+            <a:xfrm>
+              <a:off x="1059180" y="662940"/>
+              <a:ext cx="777240" cy="5638800"/>
+              <a:chOff x="1059180" y="662940"/>
+              <a:chExt cx="777240" cy="5638800"/>
+            </a:xfrm>
+          </p:grpSpPr>
+          <p:sp>
+            <p:nvSpPr>
+              <p:cNvPr id="15" name="Rectangle 14"/>
+              <p:cNvSpPr/>
+              <p:nvPr/>
+            </p:nvSpPr>
+            <p:spPr>
+              <a:xfrm>
+                <a:off x="1059180" y="662940"/>
+                <a:ext cx="777240" cy="1287624"/>
+              </a:xfrm>
+              <a:prstGeom prst="rect">
+                <a:avLst/>
+              </a:prstGeom>
+              <a:solidFill>
+                <a:srgbClr val="FFFF00"/>
+              </a:solidFill>
+              <a:ln>
+                <a:noFill/>
+              </a:ln>
+            </p:spPr>
+            <p:style>
+              <a:lnRef idx="2">
+                <a:schemeClr val="accent1">
+                  <a:shade val="50000"/>
+                </a:schemeClr>
+              </a:lnRef>
+              <a:fillRef idx="1">
+                <a:schemeClr val="accent1"/>
+              </a:fillRef>
+              <a:effectRef idx="0">
+                <a:schemeClr val="accent1"/>
+              </a:effectRef>
+              <a:fontRef idx="minor">
+                <a:schemeClr val="lt1"/>
+              </a:fontRef>
+            </p:style>
+            <p:txBody>
+              <a:bodyPr rtlCol="0" anchor="ctr"/>
+              <a:lstStyle/>
+              <a:p>
+                <a:pPr algn="ctr"/>
+                <a:endParaRPr lang="en-US"/>
+              </a:p>
+            </p:txBody>
+          </p:sp>
+          <p:sp>
+            <p:nvSpPr>
+              <p:cNvPr id="16" name="Rectangle 15"/>
+              <p:cNvSpPr/>
+              <p:nvPr/>
+            </p:nvSpPr>
+            <p:spPr>
+              <a:xfrm>
+                <a:off x="1059180" y="2113332"/>
+                <a:ext cx="777240" cy="1287624"/>
+              </a:xfrm>
+              <a:prstGeom prst="rect">
+                <a:avLst/>
+              </a:prstGeom>
+              <a:solidFill>
+                <a:srgbClr val="FFFF00"/>
+              </a:solidFill>
+              <a:ln>
+                <a:noFill/>
+              </a:ln>
+            </p:spPr>
+            <p:style>
+              <a:lnRef idx="2">
+                <a:schemeClr val="accent1">
+                  <a:shade val="50000"/>
+                </a:schemeClr>
+              </a:lnRef>
+              <a:fillRef idx="1">
+                <a:schemeClr val="accent1"/>
+              </a:fillRef>
+              <a:effectRef idx="0">
+                <a:schemeClr val="accent1"/>
+              </a:effectRef>
+              <a:fontRef idx="minor">
+                <a:schemeClr val="lt1"/>
+              </a:fontRef>
+            </p:style>
+            <p:txBody>
+              <a:bodyPr rtlCol="0" anchor="ctr"/>
+              <a:lstStyle/>
+              <a:p>
+                <a:pPr algn="ctr"/>
+                <a:endParaRPr lang="en-US"/>
+              </a:p>
+            </p:txBody>
+          </p:sp>
+          <p:sp>
+            <p:nvSpPr>
+              <p:cNvPr id="19" name="Rectangle 18"/>
+              <p:cNvSpPr/>
+              <p:nvPr/>
+            </p:nvSpPr>
+            <p:spPr>
+              <a:xfrm>
+                <a:off x="1059180" y="3563724"/>
+                <a:ext cx="777240" cy="1287624"/>
+              </a:xfrm>
+              <a:prstGeom prst="rect">
+                <a:avLst/>
+              </a:prstGeom>
+              <a:solidFill>
+                <a:srgbClr val="FFFF00"/>
+              </a:solidFill>
+              <a:ln>
+                <a:noFill/>
+              </a:ln>
+            </p:spPr>
+            <p:style>
+              <a:lnRef idx="2">
+                <a:schemeClr val="accent1">
+                  <a:shade val="50000"/>
+                </a:schemeClr>
+              </a:lnRef>
+              <a:fillRef idx="1">
+                <a:schemeClr val="accent1"/>
+              </a:fillRef>
+              <a:effectRef idx="0">
+                <a:schemeClr val="accent1"/>
+              </a:effectRef>
+              <a:fontRef idx="minor">
+                <a:schemeClr val="lt1"/>
+              </a:fontRef>
+            </p:style>
+            <p:txBody>
+              <a:bodyPr rtlCol="0" anchor="ctr"/>
+              <a:lstStyle/>
+              <a:p>
+                <a:pPr algn="ctr"/>
+                <a:endParaRPr lang="en-US"/>
+              </a:p>
+            </p:txBody>
+          </p:sp>
+          <p:sp>
+            <p:nvSpPr>
+              <p:cNvPr id="20" name="Rectangle 19"/>
+              <p:cNvSpPr/>
+              <p:nvPr/>
+            </p:nvSpPr>
+            <p:spPr>
+              <a:xfrm>
+                <a:off x="1059180" y="5014116"/>
+                <a:ext cx="777240" cy="1287624"/>
+              </a:xfrm>
+              <a:prstGeom prst="rect">
+                <a:avLst/>
+              </a:prstGeom>
+              <a:solidFill>
+                <a:srgbClr val="FFFF00"/>
+              </a:solidFill>
+              <a:ln>
+                <a:noFill/>
+              </a:ln>
+            </p:spPr>
+            <p:style>
+              <a:lnRef idx="2">
+                <a:schemeClr val="accent1">
+                  <a:shade val="50000"/>
+                </a:schemeClr>
+              </a:lnRef>
+              <a:fillRef idx="1">
+                <a:schemeClr val="accent1"/>
+              </a:fillRef>
+              <a:effectRef idx="0">
+                <a:schemeClr val="accent1"/>
+              </a:effectRef>
+              <a:fontRef idx="minor">
+                <a:schemeClr val="lt1"/>
+              </a:fontRef>
+            </p:style>
+            <p:txBody>
+              <a:bodyPr rtlCol="0" anchor="ctr"/>
+              <a:lstStyle/>
+              <a:p>
+                <a:pPr algn="ctr"/>
+                <a:endParaRPr lang="en-US"/>
+              </a:p>
+            </p:txBody>
+          </p:sp>
+        </p:grpSp>
+        <p:grpSp>
+          <p:nvGrpSpPr>
+            <p:cNvPr id="21" name="Group 20"/>
+            <p:cNvGrpSpPr/>
+            <p:nvPr/>
+          </p:nvGrpSpPr>
+          <p:grpSpPr>
+            <a:xfrm>
+              <a:off x="2015490" y="662940"/>
+              <a:ext cx="777240" cy="5638800"/>
+              <a:chOff x="1059180" y="662940"/>
+              <a:chExt cx="777240" cy="5638800"/>
+            </a:xfrm>
+          </p:grpSpPr>
+          <p:sp>
+            <p:nvSpPr>
+              <p:cNvPr id="22" name="Rectangle 21"/>
+              <p:cNvSpPr/>
+              <p:nvPr/>
+            </p:nvSpPr>
+            <p:spPr>
+              <a:xfrm>
+                <a:off x="1059180" y="662940"/>
+                <a:ext cx="777240" cy="1287624"/>
+              </a:xfrm>
+              <a:prstGeom prst="rect">
+                <a:avLst/>
+              </a:prstGeom>
+              <a:solidFill>
+                <a:srgbClr val="FFFF00"/>
+              </a:solidFill>
+              <a:ln>
+                <a:noFill/>
+              </a:ln>
+            </p:spPr>
+            <p:style>
+              <a:lnRef idx="2">
+                <a:schemeClr val="accent1">
+                  <a:shade val="50000"/>
+                </a:schemeClr>
+              </a:lnRef>
+              <a:fillRef idx="1">
+                <a:schemeClr val="accent1"/>
+              </a:fillRef>
+              <a:effectRef idx="0">
+                <a:schemeClr val="accent1"/>
+              </a:effectRef>
+              <a:fontRef idx="minor">
+                <a:schemeClr val="lt1"/>
+              </a:fontRef>
+            </p:style>
+            <p:txBody>
+              <a:bodyPr rtlCol="0" anchor="ctr"/>
+              <a:lstStyle/>
+              <a:p>
+                <a:pPr algn="ctr"/>
+                <a:endParaRPr lang="en-US"/>
+              </a:p>
+            </p:txBody>
+          </p:sp>
+          <p:sp>
+            <p:nvSpPr>
+              <p:cNvPr id="23" name="Rectangle 22"/>
+              <p:cNvSpPr/>
+              <p:nvPr/>
+            </p:nvSpPr>
+            <p:spPr>
+              <a:xfrm>
+                <a:off x="1059180" y="2113332"/>
+                <a:ext cx="777240" cy="1287624"/>
+              </a:xfrm>
+              <a:prstGeom prst="rect">
+                <a:avLst/>
+              </a:prstGeom>
+              <a:solidFill>
+                <a:srgbClr val="FFFF00"/>
+              </a:solidFill>
+              <a:ln>
+                <a:noFill/>
+              </a:ln>
+            </p:spPr>
+            <p:style>
+              <a:lnRef idx="2">
+                <a:schemeClr val="accent1">
+                  <a:shade val="50000"/>
+                </a:schemeClr>
+              </a:lnRef>
+              <a:fillRef idx="1">
+                <a:schemeClr val="accent1"/>
+              </a:fillRef>
+              <a:effectRef idx="0">
+                <a:schemeClr val="accent1"/>
+              </a:effectRef>
+              <a:fontRef idx="minor">
+                <a:schemeClr val="lt1"/>
+              </a:fontRef>
+            </p:style>
+            <p:txBody>
+              <a:bodyPr rtlCol="0" anchor="ctr"/>
+              <a:lstStyle/>
+              <a:p>
+                <a:pPr algn="ctr"/>
+                <a:endParaRPr lang="en-US"/>
+              </a:p>
+            </p:txBody>
+          </p:sp>
+          <p:sp>
+            <p:nvSpPr>
+              <p:cNvPr id="24" name="Rectangle 23"/>
+              <p:cNvSpPr/>
+              <p:nvPr/>
+            </p:nvSpPr>
+            <p:spPr>
+              <a:xfrm>
+                <a:off x="1059180" y="3563724"/>
+                <a:ext cx="777240" cy="1287624"/>
+              </a:xfrm>
+              <a:prstGeom prst="rect">
+                <a:avLst/>
+              </a:prstGeom>
+              <a:solidFill>
+                <a:srgbClr val="FFFF00"/>
+              </a:solidFill>
+              <a:ln>
+                <a:noFill/>
+              </a:ln>
+            </p:spPr>
+            <p:style>
+              <a:lnRef idx="2">
+                <a:schemeClr val="accent1">
+                  <a:shade val="50000"/>
+                </a:schemeClr>
+              </a:lnRef>
+              <a:fillRef idx="1">
+                <a:schemeClr val="accent1"/>
+              </a:fillRef>
+              <a:effectRef idx="0">
+                <a:schemeClr val="accent1"/>
+              </a:effectRef>
+              <a:fontRef idx="minor">
+                <a:schemeClr val="lt1"/>
+              </a:fontRef>
+            </p:style>
+            <p:txBody>
+              <a:bodyPr rtlCol="0" anchor="ctr"/>
+              <a:lstStyle/>
+              <a:p>
+                <a:pPr algn="ctr"/>
+                <a:endParaRPr lang="en-US"/>
+              </a:p>
+            </p:txBody>
+          </p:sp>
+          <p:sp>
+            <p:nvSpPr>
+              <p:cNvPr id="25" name="Rectangle 24"/>
+              <p:cNvSpPr/>
+              <p:nvPr/>
+            </p:nvSpPr>
+            <p:spPr>
+              <a:xfrm>
+                <a:off x="1059180" y="5014116"/>
+                <a:ext cx="777240" cy="1287624"/>
+              </a:xfrm>
+              <a:prstGeom prst="rect">
+                <a:avLst/>
+              </a:prstGeom>
+              <a:solidFill>
+                <a:srgbClr val="FFFF00"/>
+              </a:solidFill>
+              <a:ln>
+                <a:noFill/>
+              </a:ln>
+            </p:spPr>
+            <p:style>
+              <a:lnRef idx="2">
+                <a:schemeClr val="accent1">
+                  <a:shade val="50000"/>
+                </a:schemeClr>
+              </a:lnRef>
+              <a:fillRef idx="1">
+                <a:schemeClr val="accent1"/>
+              </a:fillRef>
+              <a:effectRef idx="0">
+                <a:schemeClr val="accent1"/>
+              </a:effectRef>
+              <a:fontRef idx="minor">
+                <a:schemeClr val="lt1"/>
+              </a:fontRef>
+            </p:style>
+            <p:txBody>
+              <a:bodyPr rtlCol="0" anchor="ctr"/>
+              <a:lstStyle/>
+              <a:p>
+                <a:pPr algn="ctr"/>
+                <a:endParaRPr lang="en-US"/>
+              </a:p>
+            </p:txBody>
+          </p:sp>
+        </p:grpSp>
+      </p:grpSp>
+    </p:spTree>
+    <p:extLst>
+      <p:ext uri="{BB962C8B-B14F-4D97-AF65-F5344CB8AC3E}">
+        <p14:creationId xmlns:p14="http://schemas.microsoft.com/office/powerpoint/2010/main" val="1411316653"/>
+      </p:ext>
+    </p:extLst>
+  </p:cSld>
+  <p:clrMapOvr>
+    <a:masterClrMapping/>
+  </p:clrMapOvr>
+</p:sld>
+</file>
+
+<file path=ppt/slides/slide7.xml><?xml version="1.0" encoding="utf-8"?>
+<p:sld xmlns:a="http://schemas.openxmlformats.org/drawingml/2006/main" xmlns:r="http://schemas.openxmlformats.org/officeDocument/2006/relationships" xmlns:p="http://schemas.openxmlformats.org/presentationml/2006/main">
+  <p:cSld>
+    <p:spTree>
+      <p:nvGrpSpPr>
+        <p:cNvPr id="1" name=""/>
+        <p:cNvGrpSpPr/>
+        <p:nvPr/>
+      </p:nvGrpSpPr>
+      <p:grpSpPr>
+        <a:xfrm>
+          <a:off x="0" y="0"/>
+          <a:ext cx="0" cy="0"/>
+          <a:chOff x="0" y="0"/>
+          <a:chExt cx="0" cy="0"/>
+        </a:xfrm>
+      </p:grpSpPr>
+      <p:sp>
+        <p:nvSpPr>
+          <p:cNvPr id="4" name="Rectangle 3"/>
+          <p:cNvSpPr/>
+          <p:nvPr/>
+        </p:nvSpPr>
+        <p:spPr>
+          <a:xfrm>
+            <a:off x="800100" y="356616"/>
+            <a:ext cx="2743200" cy="4873752"/>
+          </a:xfrm>
+          <a:prstGeom prst="rect">
+            <a:avLst/>
+          </a:prstGeom>
+          <a:ln>
+            <a:noFill/>
+          </a:ln>
+        </p:spPr>
+        <p:style>
+          <a:lnRef idx="2">
+            <a:schemeClr val="accent1">
+              <a:shade val="50000"/>
+            </a:schemeClr>
+          </a:lnRef>
+          <a:fillRef idx="1">
+            <a:schemeClr val="accent1"/>
+          </a:fillRef>
+          <a:effectRef idx="0">
+            <a:schemeClr val="accent1"/>
+          </a:effectRef>
+          <a:fontRef idx="minor">
+            <a:schemeClr val="lt1"/>
+          </a:fontRef>
+        </p:style>
+        <p:txBody>
+          <a:bodyPr rtlCol="0" anchor="ctr"/>
+          <a:lstStyle/>
+          <a:p>
+            <a:pPr algn="ctr"/>
+            <a:endParaRPr lang="en-US"/>
+          </a:p>
+        </p:txBody>
+      </p:sp>
+      <p:grpSp>
+        <p:nvGrpSpPr>
+          <p:cNvPr id="10" name="Group 9"/>
+          <p:cNvGrpSpPr/>
+          <p:nvPr/>
+        </p:nvGrpSpPr>
+        <p:grpSpPr>
+          <a:xfrm>
+            <a:off x="994000" y="591122"/>
+            <a:ext cx="2355400" cy="4404740"/>
+            <a:chOff x="997048" y="537592"/>
+            <a:chExt cx="2355400" cy="4404740"/>
+          </a:xfrm>
+        </p:grpSpPr>
+        <p:grpSp>
+          <p:nvGrpSpPr>
+            <p:cNvPr id="9" name="Group 8"/>
+            <p:cNvGrpSpPr/>
+            <p:nvPr/>
+          </p:nvGrpSpPr>
+          <p:grpSpPr>
+            <a:xfrm>
+              <a:off x="997048" y="537592"/>
+              <a:ext cx="2355400" cy="2148840"/>
+              <a:chOff x="997048" y="537592"/>
+              <a:chExt cx="2355400" cy="1598676"/>
+            </a:xfrm>
+          </p:grpSpPr>
+          <p:grpSp>
+            <p:nvGrpSpPr>
+              <p:cNvPr id="7" name="Group 6"/>
+              <p:cNvGrpSpPr/>
+              <p:nvPr/>
+            </p:nvGrpSpPr>
+            <p:grpSpPr>
+              <a:xfrm>
+                <a:off x="997048" y="537592"/>
+                <a:ext cx="713232" cy="1598676"/>
+                <a:chOff x="997048" y="537592"/>
+                <a:chExt cx="667940" cy="1598676"/>
+              </a:xfrm>
+            </p:grpSpPr>
+            <p:sp>
+              <p:nvSpPr>
+                <p:cNvPr id="15" name="Rectangle 14"/>
+                <p:cNvSpPr/>
+                <p:nvPr/>
+              </p:nvSpPr>
+              <p:spPr>
+                <a:xfrm>
+                  <a:off x="997048" y="537592"/>
+                  <a:ext cx="667940" cy="751819"/>
+                </a:xfrm>
+                <a:prstGeom prst="rect">
+                  <a:avLst/>
+                </a:prstGeom>
+                <a:solidFill>
+                  <a:srgbClr val="FFFF00"/>
+                </a:solidFill>
+                <a:ln>
+                  <a:noFill/>
+                </a:ln>
+              </p:spPr>
+              <p:style>
+                <a:lnRef idx="2">
+                  <a:schemeClr val="accent1">
+                    <a:shade val="50000"/>
+                  </a:schemeClr>
+                </a:lnRef>
+                <a:fillRef idx="1">
+                  <a:schemeClr val="accent1"/>
+                </a:fillRef>
+                <a:effectRef idx="0">
+                  <a:schemeClr val="accent1"/>
+                </a:effectRef>
+                <a:fontRef idx="minor">
+                  <a:schemeClr val="lt1"/>
+                </a:fontRef>
+              </p:style>
+              <p:txBody>
+                <a:bodyPr rtlCol="0" anchor="ctr"/>
+                <a:lstStyle/>
+                <a:p>
+                  <a:pPr algn="ctr"/>
+                  <a:endParaRPr lang="en-US"/>
+                </a:p>
+              </p:txBody>
+            </p:sp>
+            <p:sp>
+              <p:nvSpPr>
+                <p:cNvPr id="16" name="Rectangle 15"/>
+                <p:cNvSpPr/>
+                <p:nvPr/>
+              </p:nvSpPr>
+              <p:spPr>
+                <a:xfrm>
+                  <a:off x="997048" y="1384449"/>
+                  <a:ext cx="667940" cy="751819"/>
+                </a:xfrm>
+                <a:prstGeom prst="rect">
+                  <a:avLst/>
+                </a:prstGeom>
+                <a:solidFill>
+                  <a:srgbClr val="FFFF00"/>
+                </a:solidFill>
+                <a:ln>
+                  <a:noFill/>
+                </a:ln>
+              </p:spPr>
+              <p:style>
+                <a:lnRef idx="2">
+                  <a:schemeClr val="accent1">
+                    <a:shade val="50000"/>
+                  </a:schemeClr>
+                </a:lnRef>
+                <a:fillRef idx="1">
+                  <a:schemeClr val="accent1"/>
+                </a:fillRef>
+                <a:effectRef idx="0">
+                  <a:schemeClr val="accent1"/>
+                </a:effectRef>
+                <a:fontRef idx="minor">
+                  <a:schemeClr val="lt1"/>
+                </a:fontRef>
+              </p:style>
+              <p:txBody>
+                <a:bodyPr rtlCol="0" anchor="ctr"/>
+                <a:lstStyle/>
+                <a:p>
+                  <a:pPr algn="ctr"/>
+                  <a:endParaRPr lang="en-US"/>
+                </a:p>
+              </p:txBody>
+            </p:sp>
+          </p:grpSp>
+          <p:grpSp>
+            <p:nvGrpSpPr>
+              <p:cNvPr id="6" name="Group 5"/>
+              <p:cNvGrpSpPr/>
+              <p:nvPr/>
+            </p:nvGrpSpPr>
+            <p:grpSpPr>
+              <a:xfrm>
+                <a:off x="1818132" y="537592"/>
+                <a:ext cx="713232" cy="1598676"/>
+                <a:chOff x="1818876" y="537592"/>
+                <a:chExt cx="667940" cy="1598676"/>
+              </a:xfrm>
+            </p:grpSpPr>
+            <p:sp>
+              <p:nvSpPr>
+                <p:cNvPr id="22" name="Rectangle 21"/>
+                <p:cNvSpPr/>
+                <p:nvPr/>
+              </p:nvSpPr>
+              <p:spPr>
+                <a:xfrm>
+                  <a:off x="1818876" y="537592"/>
+                  <a:ext cx="667940" cy="751819"/>
+                </a:xfrm>
+                <a:prstGeom prst="rect">
+                  <a:avLst/>
+                </a:prstGeom>
+                <a:solidFill>
+                  <a:srgbClr val="FFFF00"/>
+                </a:solidFill>
+                <a:ln>
+                  <a:noFill/>
+                </a:ln>
+              </p:spPr>
+              <p:style>
+                <a:lnRef idx="2">
+                  <a:schemeClr val="accent1">
+                    <a:shade val="50000"/>
+                  </a:schemeClr>
+                </a:lnRef>
+                <a:fillRef idx="1">
+                  <a:schemeClr val="accent1"/>
+                </a:fillRef>
+                <a:effectRef idx="0">
+                  <a:schemeClr val="accent1"/>
+                </a:effectRef>
+                <a:fontRef idx="minor">
+                  <a:schemeClr val="lt1"/>
+                </a:fontRef>
+              </p:style>
+              <p:txBody>
+                <a:bodyPr rtlCol="0" anchor="ctr"/>
+                <a:lstStyle/>
+                <a:p>
+                  <a:pPr algn="ctr"/>
+                  <a:endParaRPr lang="en-US"/>
+                </a:p>
+              </p:txBody>
+            </p:sp>
+            <p:sp>
+              <p:nvSpPr>
+                <p:cNvPr id="23" name="Rectangle 22"/>
+                <p:cNvSpPr/>
+                <p:nvPr/>
+              </p:nvSpPr>
+              <p:spPr>
+                <a:xfrm>
+                  <a:off x="1818876" y="1384449"/>
+                  <a:ext cx="667940" cy="751819"/>
+                </a:xfrm>
+                <a:prstGeom prst="rect">
+                  <a:avLst/>
+                </a:prstGeom>
+                <a:solidFill>
+                  <a:srgbClr val="FFFF00"/>
+                </a:solidFill>
+                <a:ln>
+                  <a:noFill/>
+                </a:ln>
+              </p:spPr>
+              <p:style>
+                <a:lnRef idx="2">
+                  <a:schemeClr val="accent1">
+                    <a:shade val="50000"/>
+                  </a:schemeClr>
+                </a:lnRef>
+                <a:fillRef idx="1">
+                  <a:schemeClr val="accent1"/>
+                </a:fillRef>
+                <a:effectRef idx="0">
+                  <a:schemeClr val="accent1"/>
+                </a:effectRef>
+                <a:fontRef idx="minor">
+                  <a:schemeClr val="lt1"/>
+                </a:fontRef>
+              </p:style>
+              <p:txBody>
+                <a:bodyPr rtlCol="0" anchor="ctr"/>
+                <a:lstStyle/>
+                <a:p>
+                  <a:pPr algn="ctr"/>
+                  <a:endParaRPr lang="en-US"/>
+                </a:p>
+              </p:txBody>
+            </p:sp>
+          </p:grpSp>
+          <p:grpSp>
+            <p:nvGrpSpPr>
+              <p:cNvPr id="29" name="Group 28"/>
+              <p:cNvGrpSpPr/>
+              <p:nvPr/>
+            </p:nvGrpSpPr>
+            <p:grpSpPr>
+              <a:xfrm>
+                <a:off x="2639216" y="537592"/>
+                <a:ext cx="713232" cy="1598676"/>
+                <a:chOff x="1818876" y="537592"/>
+                <a:chExt cx="667940" cy="1598676"/>
+              </a:xfrm>
+            </p:grpSpPr>
+            <p:sp>
+              <p:nvSpPr>
+                <p:cNvPr id="30" name="Rectangle 29"/>
+                <p:cNvSpPr/>
+                <p:nvPr/>
+              </p:nvSpPr>
+              <p:spPr>
+                <a:xfrm>
+                  <a:off x="1818876" y="537592"/>
+                  <a:ext cx="667940" cy="751819"/>
+                </a:xfrm>
+                <a:prstGeom prst="rect">
+                  <a:avLst/>
+                </a:prstGeom>
+                <a:solidFill>
+                  <a:srgbClr val="FFFF00"/>
+                </a:solidFill>
+                <a:ln>
+                  <a:noFill/>
+                </a:ln>
+              </p:spPr>
+              <p:style>
+                <a:lnRef idx="2">
+                  <a:schemeClr val="accent1">
+                    <a:shade val="50000"/>
+                  </a:schemeClr>
+                </a:lnRef>
+                <a:fillRef idx="1">
+                  <a:schemeClr val="accent1"/>
+                </a:fillRef>
+                <a:effectRef idx="0">
+                  <a:schemeClr val="accent1"/>
+                </a:effectRef>
+                <a:fontRef idx="minor">
+                  <a:schemeClr val="lt1"/>
+                </a:fontRef>
+              </p:style>
+              <p:txBody>
+                <a:bodyPr rtlCol="0" anchor="ctr"/>
+                <a:lstStyle/>
+                <a:p>
+                  <a:pPr algn="ctr"/>
+                  <a:endParaRPr lang="en-US"/>
+                </a:p>
+              </p:txBody>
+            </p:sp>
+            <p:sp>
+              <p:nvSpPr>
+                <p:cNvPr id="31" name="Rectangle 30"/>
+                <p:cNvSpPr/>
+                <p:nvPr/>
+              </p:nvSpPr>
+              <p:spPr>
+                <a:xfrm>
+                  <a:off x="1818876" y="1384449"/>
+                  <a:ext cx="667940" cy="751819"/>
+                </a:xfrm>
+                <a:prstGeom prst="rect">
+                  <a:avLst/>
+                </a:prstGeom>
+                <a:solidFill>
+                  <a:srgbClr val="FFFF00"/>
+                </a:solidFill>
+                <a:ln>
+                  <a:noFill/>
+                </a:ln>
+              </p:spPr>
+              <p:style>
+                <a:lnRef idx="2">
+                  <a:schemeClr val="accent1">
+                    <a:shade val="50000"/>
+                  </a:schemeClr>
+                </a:lnRef>
+                <a:fillRef idx="1">
+                  <a:schemeClr val="accent1"/>
+                </a:fillRef>
+                <a:effectRef idx="0">
+                  <a:schemeClr val="accent1"/>
+                </a:effectRef>
+                <a:fontRef idx="minor">
+                  <a:schemeClr val="lt1"/>
+                </a:fontRef>
+              </p:style>
+              <p:txBody>
+                <a:bodyPr rtlCol="0" anchor="ctr"/>
+                <a:lstStyle/>
+                <a:p>
+                  <a:pPr algn="ctr"/>
+                  <a:endParaRPr lang="en-US"/>
+                </a:p>
+              </p:txBody>
+            </p:sp>
+          </p:grpSp>
+        </p:grpSp>
+        <p:grpSp>
+          <p:nvGrpSpPr>
+            <p:cNvPr id="33" name="Group 32"/>
+            <p:cNvGrpSpPr/>
+            <p:nvPr/>
+          </p:nvGrpSpPr>
+          <p:grpSpPr>
+            <a:xfrm>
+              <a:off x="997048" y="2793492"/>
+              <a:ext cx="2355400" cy="2148840"/>
+              <a:chOff x="997048" y="537592"/>
+              <a:chExt cx="2355400" cy="1598676"/>
+            </a:xfrm>
+          </p:grpSpPr>
+          <p:grpSp>
+            <p:nvGrpSpPr>
+              <p:cNvPr id="34" name="Group 33"/>
+              <p:cNvGrpSpPr/>
+              <p:nvPr/>
+            </p:nvGrpSpPr>
+            <p:grpSpPr>
+              <a:xfrm>
+                <a:off x="997048" y="537592"/>
+                <a:ext cx="713232" cy="1598676"/>
+                <a:chOff x="997048" y="537592"/>
+                <a:chExt cx="667940" cy="1598676"/>
+              </a:xfrm>
+            </p:grpSpPr>
+            <p:sp>
+              <p:nvSpPr>
+                <p:cNvPr id="41" name="Rectangle 40"/>
+                <p:cNvSpPr/>
+                <p:nvPr/>
+              </p:nvSpPr>
+              <p:spPr>
+                <a:xfrm>
+                  <a:off x="997048" y="537592"/>
+                  <a:ext cx="667940" cy="751819"/>
+                </a:xfrm>
+                <a:prstGeom prst="rect">
+                  <a:avLst/>
+                </a:prstGeom>
+                <a:solidFill>
+                  <a:srgbClr val="FFFF00"/>
+                </a:solidFill>
+                <a:ln>
+                  <a:noFill/>
+                </a:ln>
+              </p:spPr>
+              <p:style>
+                <a:lnRef idx="2">
+                  <a:schemeClr val="accent1">
+                    <a:shade val="50000"/>
+                  </a:schemeClr>
+                </a:lnRef>
+                <a:fillRef idx="1">
+                  <a:schemeClr val="accent1"/>
+                </a:fillRef>
+                <a:effectRef idx="0">
+                  <a:schemeClr val="accent1"/>
+                </a:effectRef>
+                <a:fontRef idx="minor">
+                  <a:schemeClr val="lt1"/>
+                </a:fontRef>
+              </p:style>
+              <p:txBody>
+                <a:bodyPr rtlCol="0" anchor="ctr"/>
+                <a:lstStyle/>
+                <a:p>
+                  <a:pPr algn="ctr"/>
+                  <a:endParaRPr lang="en-US"/>
+                </a:p>
+              </p:txBody>
+            </p:sp>
+            <p:sp>
+              <p:nvSpPr>
+                <p:cNvPr id="42" name="Rectangle 41"/>
+                <p:cNvSpPr/>
+                <p:nvPr/>
+              </p:nvSpPr>
+              <p:spPr>
+                <a:xfrm>
+                  <a:off x="997048" y="1384449"/>
+                  <a:ext cx="667940" cy="751819"/>
+                </a:xfrm>
+                <a:prstGeom prst="rect">
+                  <a:avLst/>
+                </a:prstGeom>
+                <a:solidFill>
+                  <a:srgbClr val="FFFF00"/>
+                </a:solidFill>
+                <a:ln>
+                  <a:noFill/>
+                </a:ln>
+              </p:spPr>
+              <p:style>
+                <a:lnRef idx="2">
+                  <a:schemeClr val="accent1">
+                    <a:shade val="50000"/>
+                  </a:schemeClr>
+                </a:lnRef>
+                <a:fillRef idx="1">
+                  <a:schemeClr val="accent1"/>
+                </a:fillRef>
+                <a:effectRef idx="0">
+                  <a:schemeClr val="accent1"/>
+                </a:effectRef>
+                <a:fontRef idx="minor">
+                  <a:schemeClr val="lt1"/>
+                </a:fontRef>
+              </p:style>
+              <p:txBody>
+                <a:bodyPr rtlCol="0" anchor="ctr"/>
+                <a:lstStyle/>
+                <a:p>
+                  <a:pPr algn="ctr"/>
+                  <a:endParaRPr lang="en-US"/>
+                </a:p>
+              </p:txBody>
+            </p:sp>
+          </p:grpSp>
+          <p:grpSp>
+            <p:nvGrpSpPr>
+              <p:cNvPr id="35" name="Group 34"/>
+              <p:cNvGrpSpPr/>
+              <p:nvPr/>
+            </p:nvGrpSpPr>
+            <p:grpSpPr>
+              <a:xfrm>
+                <a:off x="1818132" y="537592"/>
+                <a:ext cx="713232" cy="1598676"/>
+                <a:chOff x="1818876" y="537592"/>
+                <a:chExt cx="667940" cy="1598676"/>
+              </a:xfrm>
+            </p:grpSpPr>
+            <p:sp>
+              <p:nvSpPr>
+                <p:cNvPr id="39" name="Rectangle 38"/>
+                <p:cNvSpPr/>
+                <p:nvPr/>
+              </p:nvSpPr>
+              <p:spPr>
+                <a:xfrm>
+                  <a:off x="1818876" y="537592"/>
+                  <a:ext cx="667940" cy="751819"/>
+                </a:xfrm>
+                <a:prstGeom prst="rect">
+                  <a:avLst/>
+                </a:prstGeom>
+                <a:solidFill>
+                  <a:srgbClr val="FFFF00"/>
+                </a:solidFill>
+                <a:ln>
+                  <a:noFill/>
+                </a:ln>
+              </p:spPr>
+              <p:style>
+                <a:lnRef idx="2">
+                  <a:schemeClr val="accent1">
+                    <a:shade val="50000"/>
+                  </a:schemeClr>
+                </a:lnRef>
+                <a:fillRef idx="1">
+                  <a:schemeClr val="accent1"/>
+                </a:fillRef>
+                <a:effectRef idx="0">
+                  <a:schemeClr val="accent1"/>
+                </a:effectRef>
+                <a:fontRef idx="minor">
+                  <a:schemeClr val="lt1"/>
+                </a:fontRef>
+              </p:style>
+              <p:txBody>
+                <a:bodyPr rtlCol="0" anchor="ctr"/>
+                <a:lstStyle/>
+                <a:p>
+                  <a:pPr algn="ctr"/>
+                  <a:endParaRPr lang="en-US"/>
+                </a:p>
+              </p:txBody>
+            </p:sp>
+            <p:sp>
+              <p:nvSpPr>
+                <p:cNvPr id="40" name="Rectangle 39"/>
+                <p:cNvSpPr/>
+                <p:nvPr/>
+              </p:nvSpPr>
+              <p:spPr>
+                <a:xfrm>
+                  <a:off x="1818876" y="1384449"/>
+                  <a:ext cx="667940" cy="751819"/>
+                </a:xfrm>
+                <a:prstGeom prst="rect">
+                  <a:avLst/>
+                </a:prstGeom>
+                <a:solidFill>
+                  <a:srgbClr val="FFFF00"/>
+                </a:solidFill>
+                <a:ln>
+                  <a:noFill/>
+                </a:ln>
+              </p:spPr>
+              <p:style>
+                <a:lnRef idx="2">
+                  <a:schemeClr val="accent1">
+                    <a:shade val="50000"/>
+                  </a:schemeClr>
+                </a:lnRef>
+                <a:fillRef idx="1">
+                  <a:schemeClr val="accent1"/>
+                </a:fillRef>
+                <a:effectRef idx="0">
+                  <a:schemeClr val="accent1"/>
+                </a:effectRef>
+                <a:fontRef idx="minor">
+                  <a:schemeClr val="lt1"/>
+                </a:fontRef>
+              </p:style>
+              <p:txBody>
+                <a:bodyPr rtlCol="0" anchor="ctr"/>
+                <a:lstStyle/>
+                <a:p>
+                  <a:pPr algn="ctr"/>
+                  <a:endParaRPr lang="en-US"/>
+                </a:p>
+              </p:txBody>
+            </p:sp>
+          </p:grpSp>
+          <p:grpSp>
+            <p:nvGrpSpPr>
+              <p:cNvPr id="36" name="Group 35"/>
+              <p:cNvGrpSpPr/>
+              <p:nvPr/>
+            </p:nvGrpSpPr>
+            <p:grpSpPr>
+              <a:xfrm>
+                <a:off x="2639216" y="537592"/>
+                <a:ext cx="713232" cy="1598676"/>
+                <a:chOff x="1818876" y="537592"/>
+                <a:chExt cx="667940" cy="1598676"/>
+              </a:xfrm>
+            </p:grpSpPr>
+            <p:sp>
+              <p:nvSpPr>
+                <p:cNvPr id="37" name="Rectangle 36"/>
+                <p:cNvSpPr/>
+                <p:nvPr/>
+              </p:nvSpPr>
+              <p:spPr>
+                <a:xfrm>
+                  <a:off x="1818876" y="537592"/>
+                  <a:ext cx="667940" cy="751819"/>
+                </a:xfrm>
+                <a:prstGeom prst="rect">
+                  <a:avLst/>
+                </a:prstGeom>
+                <a:solidFill>
+                  <a:srgbClr val="FFFF00"/>
+                </a:solidFill>
+                <a:ln>
+                  <a:noFill/>
+                </a:ln>
+              </p:spPr>
+              <p:style>
+                <a:lnRef idx="2">
+                  <a:schemeClr val="accent1">
+                    <a:shade val="50000"/>
+                  </a:schemeClr>
+                </a:lnRef>
+                <a:fillRef idx="1">
+                  <a:schemeClr val="accent1"/>
+                </a:fillRef>
+                <a:effectRef idx="0">
+                  <a:schemeClr val="accent1"/>
+                </a:effectRef>
+                <a:fontRef idx="minor">
+                  <a:schemeClr val="lt1"/>
+                </a:fontRef>
+              </p:style>
+              <p:txBody>
+                <a:bodyPr rtlCol="0" anchor="ctr"/>
+                <a:lstStyle/>
+                <a:p>
+                  <a:pPr algn="ctr"/>
+                  <a:endParaRPr lang="en-US"/>
+                </a:p>
+              </p:txBody>
+            </p:sp>
+            <p:sp>
+              <p:nvSpPr>
+                <p:cNvPr id="38" name="Rectangle 37"/>
+                <p:cNvSpPr/>
+                <p:nvPr/>
+              </p:nvSpPr>
+              <p:spPr>
+                <a:xfrm>
+                  <a:off x="1818876" y="1384449"/>
+                  <a:ext cx="667940" cy="751819"/>
+                </a:xfrm>
+                <a:prstGeom prst="rect">
+                  <a:avLst/>
+                </a:prstGeom>
+                <a:solidFill>
+                  <a:srgbClr val="FFFF00"/>
+                </a:solidFill>
+                <a:ln>
+                  <a:noFill/>
+                </a:ln>
+              </p:spPr>
+              <p:style>
+                <a:lnRef idx="2">
+                  <a:schemeClr val="accent1">
+                    <a:shade val="50000"/>
+                  </a:schemeClr>
+                </a:lnRef>
+                <a:fillRef idx="1">
+                  <a:schemeClr val="accent1"/>
+                </a:fillRef>
+                <a:effectRef idx="0">
+                  <a:schemeClr val="accent1"/>
+                </a:effectRef>
+                <a:fontRef idx="minor">
+                  <a:schemeClr val="lt1"/>
+                </a:fontRef>
+              </p:style>
+              <p:txBody>
+                <a:bodyPr rtlCol="0" anchor="ctr"/>
+                <a:lstStyle/>
+                <a:p>
+                  <a:pPr algn="ctr"/>
+                  <a:endParaRPr lang="en-US"/>
+                </a:p>
+              </p:txBody>
+            </p:sp>
+          </p:grpSp>
+        </p:grpSp>
+      </p:grpSp>
+    </p:spTree>
+    <p:extLst>
+      <p:ext uri="{BB962C8B-B14F-4D97-AF65-F5344CB8AC3E}">
+        <p14:creationId xmlns:p14="http://schemas.microsoft.com/office/powerpoint/2010/main" val="4001338608"/>
       </p:ext>
     </p:extLst>
   </p:cSld>
